--- a/PPT/4 vi Editor.pptx
+++ b/PPT/4 vi Editor.pptx
@@ -126,7 +126,7 @@
   </p:defaultTextStyle>
   <p:extLst>
     <p:ext uri="{EFAFB233-063F-42B5-8137-9DF3F51BA10A}">
-      <p15:sldGuideLst xmlns:p15="http://schemas.microsoft.com/office/powerpoint/2012/main" xmlns=""/>
+      <p15:sldGuideLst xmlns="" xmlns:p15="http://schemas.microsoft.com/office/powerpoint/2012/main"/>
     </p:ext>
   </p:extLst>
 </p:presentation>
@@ -214,7 +214,7 @@
           <a:p>
             <a:fld id="{00C1DF01-E9E9-4B0D-8D31-8F1887D834E2}" type="datetimeFigureOut">
               <a:rPr lang="zh-CN" altLang="en-US" smtClean="0"/>
-              <a:t>2017/9/5</a:t>
+              <a:t>2017/9/7</a:t>
             </a:fld>
             <a:endParaRPr lang="zh-CN" altLang="en-US"/>
           </a:p>
@@ -763,7 +763,7 @@
             <a:fld id="{B61BEF0D-F0BB-DE4B-95CE-6DB70DBA9567}" type="datetimeFigureOut">
               <a:rPr lang="en-US" dirty="0"/>
               <a:pPr/>
-              <a:t>9/5/2017</a:t>
+              <a:t>9/7/2017</a:t>
             </a:fld>
             <a:endParaRPr lang="en-US" dirty="0"/>
           </a:p>
@@ -988,7 +988,7 @@
             <a:fld id="{B61BEF0D-F0BB-DE4B-95CE-6DB70DBA9567}" type="datetimeFigureOut">
               <a:rPr lang="en-US" dirty="0"/>
               <a:pPr/>
-              <a:t>9/5/2017</a:t>
+              <a:t>9/7/2017</a:t>
             </a:fld>
             <a:endParaRPr lang="en-US" dirty="0"/>
           </a:p>
@@ -1342,7 +1342,7 @@
             <a:fld id="{B61BEF0D-F0BB-DE4B-95CE-6DB70DBA9567}" type="datetimeFigureOut">
               <a:rPr lang="en-US" dirty="0"/>
               <a:pPr/>
-              <a:t>9/5/2017</a:t>
+              <a:t>9/7/2017</a:t>
             </a:fld>
             <a:endParaRPr lang="en-US" dirty="0"/>
           </a:p>
@@ -1759,7 +1759,7 @@
             <a:fld id="{B61BEF0D-F0BB-DE4B-95CE-6DB70DBA9567}" type="datetimeFigureOut">
               <a:rPr lang="en-US" dirty="0"/>
               <a:pPr/>
-              <a:t>9/5/2017</a:t>
+              <a:t>9/7/2017</a:t>
             </a:fld>
             <a:endParaRPr lang="en-US" dirty="0"/>
           </a:p>
@@ -2111,7 +2111,7 @@
             <a:fld id="{B61BEF0D-F0BB-DE4B-95CE-6DB70DBA9567}" type="datetimeFigureOut">
               <a:rPr lang="en-US" dirty="0"/>
               <a:pPr/>
-              <a:t>9/5/2017</a:t>
+              <a:t>9/7/2017</a:t>
             </a:fld>
             <a:endParaRPr lang="en-US" dirty="0"/>
           </a:p>
@@ -2447,7 +2447,7 @@
             <a:fld id="{B61BEF0D-F0BB-DE4B-95CE-6DB70DBA9567}" type="datetimeFigureOut">
               <a:rPr lang="en-US" dirty="0"/>
               <a:pPr/>
-              <a:t>9/5/2017</a:t>
+              <a:t>9/7/2017</a:t>
             </a:fld>
             <a:endParaRPr lang="en-US" dirty="0"/>
           </a:p>
@@ -2859,7 +2859,7 @@
             <a:fld id="{B61BEF0D-F0BB-DE4B-95CE-6DB70DBA9567}" type="datetimeFigureOut">
               <a:rPr lang="en-US" dirty="0"/>
               <a:pPr/>
-              <a:t>9/5/2017</a:t>
+              <a:t>9/7/2017</a:t>
             </a:fld>
             <a:endParaRPr lang="en-US" dirty="0"/>
           </a:p>
@@ -3132,7 +3132,7 @@
             <a:fld id="{B61BEF0D-F0BB-DE4B-95CE-6DB70DBA9567}" type="datetimeFigureOut">
               <a:rPr lang="en-US" dirty="0"/>
               <a:pPr/>
-              <a:t>9/5/2017</a:t>
+              <a:t>9/7/2017</a:t>
             </a:fld>
             <a:endParaRPr lang="en-US" dirty="0"/>
           </a:p>
@@ -3415,7 +3415,7 @@
             <a:fld id="{B61BEF0D-F0BB-DE4B-95CE-6DB70DBA9567}" type="datetimeFigureOut">
               <a:rPr lang="en-US" dirty="0"/>
               <a:pPr/>
-              <a:t>9/5/2017</a:t>
+              <a:t>9/7/2017</a:t>
             </a:fld>
             <a:endParaRPr lang="en-US" dirty="0"/>
           </a:p>
@@ -4001,7 +4001,7 @@
             <a:fld id="{B61BEF0D-F0BB-DE4B-95CE-6DB70DBA9567}" type="datetimeFigureOut">
               <a:rPr lang="en-US" dirty="0"/>
               <a:pPr/>
-              <a:t>9/5/2017</a:t>
+              <a:t>9/7/2017</a:t>
             </a:fld>
             <a:endParaRPr lang="en-US" dirty="0"/>
           </a:p>
@@ -4340,7 +4340,7 @@
             <a:fld id="{B61BEF0D-F0BB-DE4B-95CE-6DB70DBA9567}" type="datetimeFigureOut">
               <a:rPr lang="en-US" dirty="0"/>
               <a:pPr/>
-              <a:t>9/5/2017</a:t>
+              <a:t>9/7/2017</a:t>
             </a:fld>
             <a:endParaRPr lang="en-US" dirty="0"/>
           </a:p>
@@ -4813,7 +4813,7 @@
             <a:fld id="{B61BEF0D-F0BB-DE4B-95CE-6DB70DBA9567}" type="datetimeFigureOut">
               <a:rPr lang="en-US" dirty="0"/>
               <a:pPr/>
-              <a:t>9/5/2017</a:t>
+              <a:t>9/7/2017</a:t>
             </a:fld>
             <a:endParaRPr lang="en-US" dirty="0"/>
           </a:p>
@@ -5034,7 +5034,7 @@
             <a:fld id="{B61BEF0D-F0BB-DE4B-95CE-6DB70DBA9567}" type="datetimeFigureOut">
               <a:rPr lang="en-US" dirty="0"/>
               <a:pPr/>
-              <a:t>9/5/2017</a:t>
+              <a:t>9/7/2017</a:t>
             </a:fld>
             <a:endParaRPr lang="en-US" dirty="0"/>
           </a:p>
@@ -5232,7 +5232,7 @@
             <a:fld id="{B61BEF0D-F0BB-DE4B-95CE-6DB70DBA9567}" type="datetimeFigureOut">
               <a:rPr lang="en-US" dirty="0"/>
               <a:pPr/>
-              <a:t>9/5/2017</a:t>
+              <a:t>9/7/2017</a:t>
             </a:fld>
             <a:endParaRPr lang="en-US" dirty="0"/>
           </a:p>
@@ -5586,7 +5586,7 @@
             <a:fld id="{B61BEF0D-F0BB-DE4B-95CE-6DB70DBA9567}" type="datetimeFigureOut">
               <a:rPr lang="en-US" dirty="0"/>
               <a:pPr/>
-              <a:t>9/5/2017</a:t>
+              <a:t>9/7/2017</a:t>
             </a:fld>
             <a:endParaRPr lang="en-US" dirty="0"/>
           </a:p>
@@ -8462,15 +8462,23 @@
             <a:pPr lvl="1"/>
             <a:r>
               <a:rPr lang="zh-CN" altLang="en-US" dirty="0" smtClean="0"/>
-              <a:t>一般模式下，使用“</a:t>
-            </a:r>
-            <a:r>
-              <a:rPr lang="en-US" altLang="zh-CN" dirty="0" smtClean="0"/>
-              <a:t>X</a:t>
+              <a:t>一般模式下，使用</a:t>
             </a:r>
             <a:r>
               <a:rPr lang="zh-CN" altLang="en-US" dirty="0" smtClean="0"/>
-              <a:t>”键</a:t>
+              <a:t>“</a:t>
+            </a:r>
+            <a:r>
+              <a:rPr lang="en-US" altLang="zh-CN" dirty="0"/>
+              <a:t>x</a:t>
+            </a:r>
+            <a:r>
+              <a:rPr lang="zh-CN" altLang="en-US" smtClean="0"/>
+              <a:t>”</a:t>
+            </a:r>
+            <a:r>
+              <a:rPr lang="zh-CN" altLang="en-US" dirty="0" smtClean="0"/>
+              <a:t>键</a:t>
             </a:r>
             <a:endParaRPr lang="en-US" altLang="zh-CN" dirty="0" smtClean="0"/>
           </a:p>
@@ -9848,11 +9856,7 @@
             </a:r>
             <a:r>
               <a:rPr lang="zh-CN" altLang="en-US" dirty="0" smtClean="0"/>
-              <a:t>，</a:t>
-            </a:r>
-            <a:r>
-              <a:rPr lang="zh-CN" altLang="en-US" dirty="0" smtClean="0"/>
-              <a:t>将光标移动到第一行第一个字符</a:t>
+              <a:t>，将光标移动到第一行第一个字符</a:t>
             </a:r>
             <a:endParaRPr lang="en-US" altLang="zh-CN" dirty="0" smtClean="0"/>
           </a:p>
@@ -17252,7 +17256,7 @@
         <a:sysClr val="windowText" lastClr="000000"/>
       </a:dk1>
       <a:lt1>
-        <a:sysClr val="window" lastClr="FFFFFF"/>
+        <a:sysClr val="window" lastClr="CCE8CF"/>
       </a:lt1>
       <a:dk2>
         <a:srgbClr val="766F54"/>
@@ -17481,7 +17485,7 @@
   <a:extraClrSchemeLst/>
   <a:extLst>
     <a:ext uri="{05A4C25C-085E-4340-85A3-A5531E510DB2}">
-      <thm15:themeFamily xmlns:thm15="http://schemas.microsoft.com/office/thememl/2012/main" xmlns="" name="Wisp" id="{7CB32D59-10C0-40DD-B7BD-2E94284A981C}" vid="{24B1A44C-C006-48B2-A4D7-E5549B3D8CD4}"/>
+      <thm15:themeFamily xmlns="" xmlns:thm15="http://schemas.microsoft.com/office/thememl/2012/main" name="Wisp" id="{7CB32D59-10C0-40DD-B7BD-2E94284A981C}" vid="{24B1A44C-C006-48B2-A4D7-E5549B3D8CD4}"/>
     </a:ext>
   </a:extLst>
 </a:theme>
@@ -17495,7 +17499,7 @@
         <a:sysClr val="windowText" lastClr="000000"/>
       </a:dk1>
       <a:lt1>
-        <a:sysClr val="window" lastClr="FFFFFF"/>
+        <a:sysClr val="window" lastClr="CCE8CF"/>
       </a:lt1>
       <a:dk2>
         <a:srgbClr val="44546A"/>
@@ -17742,7 +17746,7 @@
   <a:extraClrSchemeLst/>
   <a:extLst>
     <a:ext uri="{05A4C25C-085E-4340-85A3-A5531E510DB2}">
-      <thm15:themeFamily xmlns:thm15="http://schemas.microsoft.com/office/thememl/2012/main" xmlns="" name="Office Theme" id="{62F939B6-93AF-4DB8-9C6B-D6C7DFDC589F}" vid="{4A3C46E8-61CC-4603-A589-7422A47A8E4A}"/>
+      <thm15:themeFamily xmlns="" xmlns:thm15="http://schemas.microsoft.com/office/thememl/2012/main" name="Office Theme" id="{62F939B6-93AF-4DB8-9C6B-D6C7DFDC589F}" vid="{4A3C46E8-61CC-4603-A589-7422A47A8E4A}"/>
     </a:ext>
   </a:extLst>
 </a:theme>

--- a/PPT/4 vi Editor.pptx
+++ b/PPT/4 vi Editor.pptx
@@ -126,7 +126,18 @@
   </p:defaultTextStyle>
   <p:extLst>
     <p:ext uri="{EFAFB233-063F-42B5-8137-9DF3F51BA10A}">
-      <p15:sldGuideLst xmlns="" xmlns:p15="http://schemas.microsoft.com/office/powerpoint/2012/main"/>
+      <p15:sldGuideLst xmlns:p15="http://schemas.microsoft.com/office/powerpoint/2012/main">
+        <p15:guide id="1" orient="horz" pos="2160">
+          <p15:clr>
+            <a:srgbClr val="A4A3A4"/>
+          </p15:clr>
+        </p15:guide>
+        <p15:guide id="2" pos="3840">
+          <p15:clr>
+            <a:srgbClr val="A4A3A4"/>
+          </p15:clr>
+        </p15:guide>
+      </p15:sldGuideLst>
     </p:ext>
   </p:extLst>
 </p:presentation>
@@ -483,6 +494,90 @@
 </file>
 
 <file path=ppt/notesSlides/notesSlide1.xml><?xml version="1.0" encoding="utf-8"?>
+<p:notes xmlns:a="http://schemas.openxmlformats.org/drawingml/2006/main" xmlns:r="http://schemas.openxmlformats.org/officeDocument/2006/relationships" xmlns:p="http://schemas.openxmlformats.org/presentationml/2006/main">
+  <p:cSld>
+    <p:spTree>
+      <p:nvGrpSpPr>
+        <p:cNvPr id="1" name=""/>
+        <p:cNvGrpSpPr/>
+        <p:nvPr/>
+      </p:nvGrpSpPr>
+      <p:grpSpPr>
+        <a:xfrm>
+          <a:off x="0" y="0"/>
+          <a:ext cx="0" cy="0"/>
+          <a:chOff x="0" y="0"/>
+          <a:chExt cx="0" cy="0"/>
+        </a:xfrm>
+      </p:grpSpPr>
+      <p:sp>
+        <p:nvSpPr>
+          <p:cNvPr id="2" name="幻灯片图像占位符 1"/>
+          <p:cNvSpPr>
+            <a:spLocks noGrp="1" noRot="1" noChangeAspect="1"/>
+          </p:cNvSpPr>
+          <p:nvPr>
+            <p:ph type="sldImg"/>
+          </p:nvPr>
+        </p:nvSpPr>
+        <p:spPr/>
+      </p:sp>
+      <p:sp>
+        <p:nvSpPr>
+          <p:cNvPr id="3" name="备注占位符 2"/>
+          <p:cNvSpPr>
+            <a:spLocks noGrp="1"/>
+          </p:cNvSpPr>
+          <p:nvPr>
+            <p:ph type="body" idx="1"/>
+          </p:nvPr>
+        </p:nvSpPr>
+        <p:spPr/>
+        <p:txBody>
+          <a:bodyPr/>
+          <a:lstStyle/>
+          <a:p>
+            <a:endParaRPr lang="zh-CN" altLang="en-US" dirty="0"/>
+          </a:p>
+        </p:txBody>
+      </p:sp>
+      <p:sp>
+        <p:nvSpPr>
+          <p:cNvPr id="4" name="灯片编号占位符 3"/>
+          <p:cNvSpPr>
+            <a:spLocks noGrp="1"/>
+          </p:cNvSpPr>
+          <p:nvPr>
+            <p:ph type="sldNum" sz="quarter" idx="10"/>
+          </p:nvPr>
+        </p:nvSpPr>
+        <p:spPr/>
+        <p:txBody>
+          <a:bodyPr/>
+          <a:lstStyle/>
+          <a:p>
+            <a:fld id="{F120303F-C514-4A94-9AD4-87C2E815A9CA}" type="slidenum">
+              <a:rPr lang="zh-CN" altLang="en-US" smtClean="0"/>
+              <a:t>11</a:t>
+            </a:fld>
+            <a:endParaRPr lang="zh-CN" altLang="en-US"/>
+          </a:p>
+        </p:txBody>
+      </p:sp>
+    </p:spTree>
+    <p:extLst>
+      <p:ext uri="{BB962C8B-B14F-4D97-AF65-F5344CB8AC3E}">
+        <p14:creationId xmlns:p14="http://schemas.microsoft.com/office/powerpoint/2010/main" val="2223305105"/>
+      </p:ext>
+    </p:extLst>
+  </p:cSld>
+  <p:clrMapOvr>
+    <a:masterClrMapping/>
+  </p:clrMapOvr>
+</p:notes>
+</file>
+
+<file path=ppt/notesSlides/notesSlide2.xml><?xml version="1.0" encoding="utf-8"?>
 <p:notes xmlns:a="http://schemas.openxmlformats.org/drawingml/2006/main" xmlns:r="http://schemas.openxmlformats.org/officeDocument/2006/relationships" xmlns:p="http://schemas.openxmlformats.org/presentationml/2006/main">
   <p:cSld>
     <p:spTree>
@@ -8314,7 +8409,7 @@
         </p:blipFill>
         <p:spPr>
           <a:xfrm>
-            <a:off x="807791" y="2046474"/>
+            <a:off x="845891" y="1678174"/>
             <a:ext cx="10901610" cy="4582926"/>
           </a:xfrm>
           <a:prstGeom prst="rect">
@@ -8349,7 +8444,7 @@
         </p:blipFill>
         <p:spPr>
           <a:xfrm>
-            <a:off x="795880" y="1589109"/>
+            <a:off x="859380" y="1284309"/>
             <a:ext cx="10928633" cy="442891"/>
           </a:xfrm>
           <a:prstGeom prst="rect">
@@ -8462,19 +8557,34 @@
             <a:pPr lvl="1"/>
             <a:r>
               <a:rPr lang="zh-CN" altLang="en-US" dirty="0" smtClean="0"/>
+              <a:t>一般模式下，使用“</a:t>
+            </a:r>
+            <a:r>
+              <a:rPr lang="en-US" altLang="zh-CN" dirty="0" smtClean="0"/>
+              <a:t>X</a:t>
+            </a:r>
+            <a:r>
+              <a:rPr lang="zh-CN" altLang="en-US" dirty="0" smtClean="0"/>
+              <a:t>”键</a:t>
+            </a:r>
+            <a:endParaRPr lang="en-US" altLang="zh-CN" dirty="0" smtClean="0"/>
+          </a:p>
+          <a:p>
+            <a:r>
+              <a:rPr lang="zh-CN" altLang="en-US" dirty="0" smtClean="0"/>
+              <a:t>删除整行：</a:t>
+            </a:r>
+            <a:endParaRPr lang="en-US" altLang="zh-CN" dirty="0" smtClean="0"/>
+          </a:p>
+          <a:p>
+            <a:pPr lvl="1"/>
+            <a:r>
+              <a:rPr lang="zh-CN" altLang="en-US" dirty="0" smtClean="0"/>
               <a:t>一般模式下，使用</a:t>
             </a:r>
             <a:r>
-              <a:rPr lang="zh-CN" altLang="en-US" dirty="0" smtClean="0"/>
-              <a:t>“</a:t>
-            </a:r>
-            <a:r>
-              <a:rPr lang="en-US" altLang="zh-CN" dirty="0"/>
-              <a:t>x</a:t>
-            </a:r>
-            <a:r>
-              <a:rPr lang="zh-CN" altLang="en-US" smtClean="0"/>
-              <a:t>”</a:t>
+              <a:rPr lang="en-US" altLang="zh-CN" dirty="0" err="1" smtClean="0"/>
+              <a:t>dd</a:t>
             </a:r>
             <a:r>
               <a:rPr lang="zh-CN" altLang="en-US" dirty="0" smtClean="0"/>
@@ -8483,45 +8593,23 @@
             <a:endParaRPr lang="en-US" altLang="zh-CN" dirty="0" smtClean="0"/>
           </a:p>
           <a:p>
-            <a:r>
-              <a:rPr lang="zh-CN" altLang="en-US" dirty="0" smtClean="0"/>
-              <a:t>删除整行：</a:t>
-            </a:r>
+            <a:pPr lvl="1"/>
+            <a:r>
+              <a:rPr lang="zh-CN" altLang="en-US" dirty="0"/>
+              <a:t>删除换行符，使用“</a:t>
+            </a:r>
+            <a:r>
+              <a:rPr lang="en-US" altLang="zh-CN" dirty="0"/>
+              <a:t>J</a:t>
+            </a:r>
+            <a:r>
+              <a:rPr lang="zh-CN" altLang="en-US" dirty="0"/>
+              <a:t>”键</a:t>
+            </a:r>
+          </a:p>
+          <a:p>
+            <a:pPr lvl="1"/>
             <a:endParaRPr lang="en-US" altLang="zh-CN" dirty="0" smtClean="0"/>
-          </a:p>
-          <a:p>
-            <a:pPr lvl="1"/>
-            <a:r>
-              <a:rPr lang="zh-CN" altLang="en-US" dirty="0" smtClean="0"/>
-              <a:t>一般模式下，使用</a:t>
-            </a:r>
-            <a:r>
-              <a:rPr lang="en-US" altLang="zh-CN" dirty="0" err="1" smtClean="0"/>
-              <a:t>dd</a:t>
-            </a:r>
-            <a:r>
-              <a:rPr lang="zh-CN" altLang="en-US" dirty="0" smtClean="0"/>
-              <a:t>键</a:t>
-            </a:r>
-            <a:endParaRPr lang="en-US" altLang="zh-CN" dirty="0" smtClean="0"/>
-          </a:p>
-          <a:p>
-            <a:r>
-              <a:rPr lang="zh-CN" altLang="en-US" dirty="0" smtClean="0"/>
-              <a:t>删除换行符，使用“</a:t>
-            </a:r>
-            <a:r>
-              <a:rPr lang="en-US" altLang="zh-CN" dirty="0" smtClean="0"/>
-              <a:t>J</a:t>
-            </a:r>
-            <a:r>
-              <a:rPr lang="zh-CN" altLang="en-US" dirty="0" smtClean="0"/>
-              <a:t>”</a:t>
-            </a:r>
-            <a:r>
-              <a:rPr lang="zh-CN" altLang="en-US" dirty="0"/>
-              <a:t>键</a:t>
-            </a:r>
           </a:p>
         </p:txBody>
       </p:sp>
@@ -15674,7 +15762,7 @@
           <a:p>
             <a:r>
               <a:rPr lang="zh-CN" altLang="en-US" dirty="0" smtClean="0"/>
-              <a:t>可以使用</a:t>
+              <a:t>在一般模式下，使用</a:t>
             </a:r>
             <a:r>
               <a:rPr lang="en-US" altLang="zh-CN" dirty="0" smtClean="0"/>
@@ -15943,14 +16031,23 @@
             </a:r>
             <a:r>
               <a:rPr lang="zh-CN" altLang="en-US" dirty="0" smtClean="0"/>
-              <a:t>（向左），推荐使用方向键</a:t>
+              <a:t>（向左</a:t>
+            </a:r>
+            <a:r>
+              <a:rPr lang="zh-CN" altLang="en-US" dirty="0" smtClean="0"/>
+              <a:t>）</a:t>
             </a:r>
             <a:endParaRPr lang="en-US" altLang="zh-CN" dirty="0" smtClean="0"/>
           </a:p>
           <a:p>
+            <a:pPr lvl="2"/>
             <a:r>
               <a:rPr lang="zh-CN" altLang="en-US" dirty="0" smtClean="0"/>
-              <a:t>怎样快速移到到文本文件首行，第</a:t>
+              <a:t>怎样</a:t>
+            </a:r>
+            <a:r>
+              <a:rPr lang="zh-CN" altLang="en-US" dirty="0" smtClean="0"/>
+              <a:t>快速移到到文本文件首行，第</a:t>
             </a:r>
             <a:r>
               <a:rPr lang="en-US" altLang="zh-CN" dirty="0" smtClean="0"/>
@@ -16750,11 +16847,15 @@
             </a:r>
             <a:r>
               <a:rPr lang="zh-CN" altLang="en-US" dirty="0" smtClean="0"/>
-              <a:t>向上查找：？</a:t>
+              <a:t>向上</a:t>
+            </a:r>
+            <a:r>
+              <a:rPr lang="zh-CN" altLang="en-US" dirty="0" smtClean="0"/>
+              <a:t>查找使用？</a:t>
             </a:r>
             <a:r>
               <a:rPr lang="en-US" altLang="zh-CN" dirty="0" smtClean="0"/>
-              <a:t>(</a:t>
+              <a:t>+(</a:t>
             </a:r>
             <a:r>
               <a:rPr lang="zh-CN" altLang="en-US" dirty="0" smtClean="0"/>
@@ -17256,7 +17357,7 @@
         <a:sysClr val="windowText" lastClr="000000"/>
       </a:dk1>
       <a:lt1>
-        <a:sysClr val="window" lastClr="CCE8CF"/>
+        <a:sysClr val="window" lastClr="FFFFFF"/>
       </a:lt1>
       <a:dk2>
         <a:srgbClr val="766F54"/>
@@ -17485,7 +17586,7 @@
   <a:extraClrSchemeLst/>
   <a:extLst>
     <a:ext uri="{05A4C25C-085E-4340-85A3-A5531E510DB2}">
-      <thm15:themeFamily xmlns="" xmlns:thm15="http://schemas.microsoft.com/office/thememl/2012/main" name="Wisp" id="{7CB32D59-10C0-40DD-B7BD-2E94284A981C}" vid="{24B1A44C-C006-48B2-A4D7-E5549B3D8CD4}"/>
+      <thm15:themeFamily xmlns:thm15="http://schemas.microsoft.com/office/thememl/2012/main" name="Wisp" id="{7CB32D59-10C0-40DD-B7BD-2E94284A981C}" vid="{24B1A44C-C006-48B2-A4D7-E5549B3D8CD4}"/>
     </a:ext>
   </a:extLst>
 </a:theme>
@@ -17499,7 +17600,7 @@
         <a:sysClr val="windowText" lastClr="000000"/>
       </a:dk1>
       <a:lt1>
-        <a:sysClr val="window" lastClr="CCE8CF"/>
+        <a:sysClr val="window" lastClr="FFFFFF"/>
       </a:lt1>
       <a:dk2>
         <a:srgbClr val="44546A"/>
@@ -17746,7 +17847,7 @@
   <a:extraClrSchemeLst/>
   <a:extLst>
     <a:ext uri="{05A4C25C-085E-4340-85A3-A5531E510DB2}">
-      <thm15:themeFamily xmlns="" xmlns:thm15="http://schemas.microsoft.com/office/thememl/2012/main" name="Office Theme" id="{62F939B6-93AF-4DB8-9C6B-D6C7DFDC589F}" vid="{4A3C46E8-61CC-4603-A589-7422A47A8E4A}"/>
+      <thm15:themeFamily xmlns:thm15="http://schemas.microsoft.com/office/thememl/2012/main" name="Office Theme" id="{62F939B6-93AF-4DB8-9C6B-D6C7DFDC589F}" vid="{4A3C46E8-61CC-4603-A589-7422A47A8E4A}"/>
     </a:ext>
   </a:extLst>
 </a:theme>
